--- a/Jerimy Tate - Selenium LightningTalk.pptx
+++ b/Jerimy Tate - Selenium LightningTalk.pptx
@@ -157,6 +157,22 @@
       </a:defRPr>
     </a:lvl9pPr>
   </p:defaultTextStyle>
+  <p:extLst>
+    <p:ext uri="{EFAFB233-063F-42B5-8137-9DF3F51BA10A}">
+      <p15:sldGuideLst xmlns:p15="http://schemas.microsoft.com/office/powerpoint/2012/main">
+        <p15:guide id="1" orient="horz" pos="2160">
+          <p15:clr>
+            <a:srgbClr val="A4A3A4"/>
+          </p15:clr>
+        </p15:guide>
+        <p15:guide id="2" pos="2880">
+          <p15:clr>
+            <a:srgbClr val="A4A3A4"/>
+          </p15:clr>
+        </p15:guide>
+      </p15:sldGuideLst>
+    </p:ext>
+  </p:extLst>
 </p:presentation>
 </file>
 
@@ -6501,7 +6517,6 @@
               <a:rPr lang="en-US" altLang="en-US" dirty="0" smtClean="0"/>
               <a:t>Its way more fun to code, than manually click buttons!</a:t>
             </a:r>
-            <a:endParaRPr lang="en-US" altLang="en-US" dirty="0" smtClean="0"/>
           </a:p>
         </p:txBody>
       </p:sp>
@@ -7436,19 +7451,11 @@
             </a:pPr>
             <a:r>
               <a:rPr lang="en-US" dirty="0"/>
-              <a:t>WebDriver</a:t>
-            </a:r>
-            <a:r>
-              <a:rPr lang="en-US" dirty="0"/>
-              <a:t> </a:t>
+              <a:t>WebDriver </a:t>
             </a:r>
             <a:r>
               <a:rPr lang="en-US" dirty="0" smtClean="0"/>
-              <a:t>– </a:t>
-            </a:r>
-            <a:r>
-              <a:rPr lang="en-US" dirty="0" smtClean="0"/>
-              <a:t>Benefits</a:t>
+              <a:t>– Benefits</a:t>
             </a:r>
             <a:endParaRPr lang="en-US" dirty="0" smtClean="0">
               <a:cs typeface="+mj-cs"/>
@@ -7843,7 +7850,6 @@
               <a:rPr lang="en-US" altLang="en-US" dirty="0" smtClean="0"/>
               <a:t>Slower than your normal unit tests</a:t>
             </a:r>
-            <a:endParaRPr lang="en-US" altLang="en-US" dirty="0" smtClean="0"/>
           </a:p>
         </p:txBody>
       </p:sp>
@@ -8786,11 +8792,25 @@
               <a:buNone/>
             </a:pPr>
             <a:r>
-              <a:rPr lang="en-US" altLang="en-US" smtClean="0">
+              <a:rPr lang="en-US" altLang="en-US" dirty="0" smtClean="0">
                 <a:latin typeface="Calibri" pitchFamily="34" charset="0"/>
                 <a:cs typeface="Arial" charset="0"/>
               </a:rPr>
-              <a:t>Creating robust and versatile testing that can be ran on many different browsers and written in many different languages allows you to do more coding and less manual tests!</a:t>
+              <a:t>Creating robust and versatile testing that can be ran on many different browsers and written in many different languages </a:t>
+            </a:r>
+            <a:r>
+              <a:rPr lang="en-US" altLang="en-US" dirty="0" smtClean="0">
+                <a:latin typeface="Calibri" pitchFamily="34" charset="0"/>
+                <a:cs typeface="Arial" charset="0"/>
+              </a:rPr>
+              <a:t>which allows </a:t>
+            </a:r>
+            <a:r>
+              <a:rPr lang="en-US" altLang="en-US" dirty="0" smtClean="0">
+                <a:latin typeface="Calibri" pitchFamily="34" charset="0"/>
+                <a:cs typeface="Arial" charset="0"/>
+              </a:rPr>
+              <a:t>you to do more coding and less manual tests!</a:t>
             </a:r>
           </a:p>
         </p:txBody>
@@ -9067,9 +9087,6 @@
               </a:rPr>
               <a:t>Selenium and Continuous Integration</a:t>
             </a:r>
-            <a:endParaRPr lang="en-US" sz="3200" dirty="0" smtClean="0">
-              <a:cs typeface="+mj-cs"/>
-            </a:endParaRPr>
           </a:p>
         </p:txBody>
       </p:sp>
@@ -9424,11 +9441,7 @@
             </a:pPr>
             <a:r>
               <a:rPr lang="en-US" altLang="en-US" dirty="0" smtClean="0"/>
-              <a:t>How to get started</a:t>
-            </a:r>
-            <a:r>
-              <a:rPr lang="en-US" altLang="en-US" dirty="0" smtClean="0"/>
-              <a:t>!</a:t>
+              <a:t>How to get started!</a:t>
             </a:r>
           </a:p>
           <a:p>
@@ -9461,13 +9474,8 @@
             </a:pPr>
             <a:r>
               <a:rPr lang="en-US" altLang="en-US" dirty="0" smtClean="0"/>
-              <a:t>Very good documentation in 7</a:t>
-            </a:r>
-            <a:r>
-              <a:rPr lang="en-US" altLang="en-US" dirty="0" smtClean="0"/>
-              <a:t> different languages!</a:t>
-            </a:r>
-            <a:endParaRPr lang="en-US" altLang="en-US" dirty="0" smtClean="0"/>
+              <a:t>Very good documentation in 7 different languages!</a:t>
+            </a:r>
           </a:p>
           <a:p>
             <a:pPr marL="0" indent="0" eaLnBrk="1" hangingPunct="1">
@@ -10599,8 +10607,11 @@
               <a:rPr lang="en-US" b="1" dirty="0" smtClean="0">
                 <a:cs typeface="+mj-cs"/>
               </a:rPr>
-              <a:t>Sources (list them)</a:t>
-            </a:r>
+              <a:t>Sources</a:t>
+            </a:r>
+            <a:endParaRPr lang="en-US" b="1" dirty="0" smtClean="0">
+              <a:cs typeface="+mj-cs"/>
+            </a:endParaRPr>
           </a:p>
         </p:txBody>
       </p:sp>
@@ -13789,9 +13800,6 @@
               </a:rPr>
               <a:t>It is difficult to use Selenium IDE for checking complex test cases involving dynamic contents</a:t>
             </a:r>
-            <a:endParaRPr lang="en-US" altLang="en-US" sz="2800" dirty="0">
-              <a:latin typeface="Arial" panose="020B0604020202020204" pitchFamily="34" charset="0"/>
-            </a:endParaRPr>
           </a:p>
         </p:txBody>
       </p:sp>
